--- a/presentation/slide-presentation.pptx
+++ b/presentation/slide-presentation.pptx
@@ -16,8 +16,7 @@
     <p:sldId id="263" r:id="rId10"/>
     <p:sldId id="265" r:id="rId11"/>
     <p:sldId id="269" r:id="rId12"/>
-    <p:sldId id="266" r:id="rId13"/>
-    <p:sldId id="267" r:id="rId14"/>
+    <p:sldId id="267" r:id="rId13"/>
   </p:sldIdLst>
   <p:sldSz cx="9144000" cy="6858000" type="screen4x3"/>
   <p:notesSz cx="6858000" cy="9144000"/>
@@ -6696,111 +6695,6 @@
           <a:lstStyle/>
           <a:p>
             <a:r>
-              <a:t>Harga &amp; Kontak</a:t>
-            </a:r>
-          </a:p>
-        </p:txBody>
-      </p:sp>
-      <p:sp>
-        <p:nvSpPr>
-          <p:cNvPr id="3" name="Content Placeholder 2"/>
-          <p:cNvSpPr>
-            <a:spLocks noGrp="1"/>
-          </p:cNvSpPr>
-          <p:nvPr>
-            <p:ph idx="1"/>
-          </p:nvPr>
-        </p:nvSpPr>
-        <p:spPr/>
-        <p:txBody>
-          <a:bodyPr>
-            <a:normAutofit/>
-          </a:bodyPr>
-          <a:lstStyle/>
-          <a:p>
-            <a:r>
-              <a:rPr dirty="0"/>
-              <a:t>💵 Paket Harga:</a:t>
-            </a:r>
-          </a:p>
-          <a:p>
-            <a:r>
-              <a:rPr dirty="0"/>
-              <a:t>- Paket </a:t>
-            </a:r>
-            <a:r>
-              <a:rPr lang="en-US" dirty="0" err="1"/>
-              <a:t>Lengkap</a:t>
-            </a:r>
-            <a:r>
-              <a:rPr lang="en-US" dirty="0"/>
-              <a:t> : Rp. 10.000.000</a:t>
-            </a:r>
-          </a:p>
-          <a:p>
-            <a:endParaRPr dirty="0"/>
-          </a:p>
-          <a:p>
-            <a:r>
-              <a:rPr dirty="0"/>
-              <a:t>📞 Kontak:</a:t>
-            </a:r>
-          </a:p>
-          <a:p>
-            <a:r>
-              <a:rPr dirty="0"/>
-              <a:t>- WhatsApp:</a:t>
-            </a:r>
-          </a:p>
-          <a:p>
-            <a:r>
-              <a:rPr dirty="0"/>
-              <a:t>- Website:</a:t>
-            </a:r>
-          </a:p>
-        </p:txBody>
-      </p:sp>
-    </p:spTree>
-  </p:cSld>
-  <p:clrMapOvr>
-    <a:masterClrMapping/>
-  </p:clrMapOvr>
-</p:sld>
-</file>
-
-<file path=ppt/slides/slide13.xml><?xml version="1.0" encoding="utf-8"?>
-<p:sld xmlns:a="http://schemas.openxmlformats.org/drawingml/2006/main" xmlns:r="http://schemas.openxmlformats.org/officeDocument/2006/relationships" xmlns:p="http://schemas.openxmlformats.org/presentationml/2006/main">
-  <p:cSld>
-    <p:spTree>
-      <p:nvGrpSpPr>
-        <p:cNvPr id="1" name=""/>
-        <p:cNvGrpSpPr/>
-        <p:nvPr/>
-      </p:nvGrpSpPr>
-      <p:grpSpPr>
-        <a:xfrm>
-          <a:off x="0" y="0"/>
-          <a:ext cx="0" cy="0"/>
-          <a:chOff x="0" y="0"/>
-          <a:chExt cx="0" cy="0"/>
-        </a:xfrm>
-      </p:grpSpPr>
-      <p:sp>
-        <p:nvSpPr>
-          <p:cNvPr id="2" name="Title 1"/>
-          <p:cNvSpPr>
-            <a:spLocks noGrp="1"/>
-          </p:cNvSpPr>
-          <p:nvPr>
-            <p:ph type="title"/>
-          </p:nvPr>
-        </p:nvSpPr>
-        <p:spPr/>
-        <p:txBody>
-          <a:bodyPr/>
-          <a:lstStyle/>
-          <a:p>
-            <a:r>
               <a:t>Kesimpulan</a:t>
             </a:r>
           </a:p>
